--- a/AWS進格勉強efwLambdaDrawServlet編v0.1.pptx
+++ b/AWS進格勉強efwLambdaDrawServlet編v0.1.pptx
@@ -335,7 +335,7 @@
               <a:pPr>
                 <a:defRPr/>
               </a:pPr>
-              <a:t>2021/6/1</a:t>
+              <a:t>2021/6/2</a:t>
             </a:fld>
             <a:endParaRPr lang="en-US" altLang="ja-JP"/>
           </a:p>
@@ -637,7 +637,7 @@
               <a:pPr>
                 <a:defRPr/>
               </a:pPr>
-              <a:t>2021/6/1</a:t>
+              <a:t>2021/6/2</a:t>
             </a:fld>
             <a:endParaRPr lang="en-US" altLang="ja-JP"/>
           </a:p>
@@ -4853,12 +4853,12 @@
               <a:buNone/>
             </a:pPr>
             <a:r>
-              <a:rPr lang="en-US" altLang="ja-JP" sz="2400" dirty="0" smtClean="0">
-                <a:latin typeface="Meiryo UI" panose="020B0604030504040204" pitchFamily="50" charset="-128"/>
-                <a:ea typeface="Meiryo UI" panose="020B0604030504040204" pitchFamily="50" charset="-128"/>
-                <a:cs typeface="Meiryo UI" panose="020B0604030504040204" pitchFamily="50" charset="-128"/>
-              </a:rPr>
-              <a:t>2021.05.17</a:t>
+              <a:rPr lang="en-US" altLang="ja-JP" sz="2400" smtClean="0">
+                <a:latin typeface="Meiryo UI" panose="020B0604030504040204" pitchFamily="50" charset="-128"/>
+                <a:ea typeface="Meiryo UI" panose="020B0604030504040204" pitchFamily="50" charset="-128"/>
+                <a:cs typeface="Meiryo UI" panose="020B0604030504040204" pitchFamily="50" charset="-128"/>
+              </a:rPr>
+              <a:t>2021.06.01</a:t>
             </a:r>
             <a:endParaRPr lang="ja-JP" altLang="en-US" sz="2400" dirty="0">
               <a:latin typeface="Meiryo UI" panose="020B0604030504040204" pitchFamily="50" charset="-128"/>
@@ -5153,15 +5153,7 @@
                 <a:ea typeface="Meiryo UI" pitchFamily="50" charset="-128"/>
                 <a:cs typeface="Meiryo UI" pitchFamily="50" charset="-128"/>
               </a:rPr>
-              <a:t>３、システム</a:t>
-            </a:r>
-            <a:r>
-              <a:rPr lang="ja-JP" altLang="en-US" sz="1500" dirty="0" smtClean="0">
-                <a:latin typeface="Meiryo UI" pitchFamily="50" charset="-128"/>
-                <a:ea typeface="Meiryo UI" pitchFamily="50" charset="-128"/>
-                <a:cs typeface="Meiryo UI" pitchFamily="50" charset="-128"/>
-              </a:rPr>
-              <a:t>構成図</a:t>
+              <a:t>３、システム構成図</a:t>
             </a:r>
             <a:endParaRPr lang="en-US" altLang="ja-JP" sz="1500" dirty="0" smtClean="0">
               <a:latin typeface="Meiryo UI" pitchFamily="50" charset="-128"/>
@@ -7374,15 +7366,7 @@
                 <a:ea typeface="Meiryo UI" pitchFamily="50" charset="-128"/>
                 <a:cs typeface="Meiryo UI" pitchFamily="50" charset="-128"/>
               </a:rPr>
-              <a:t>１</a:t>
-            </a:r>
-            <a:r>
-              <a:rPr lang="ja-JP" altLang="en-US" sz="2000" dirty="0" smtClean="0">
-                <a:latin typeface="Meiryo UI" pitchFamily="50" charset="-128"/>
-                <a:ea typeface="Meiryo UI" pitchFamily="50" charset="-128"/>
-                <a:cs typeface="Meiryo UI" pitchFamily="50" charset="-128"/>
-              </a:rPr>
-              <a:t>，</a:t>
+              <a:t>１，</a:t>
             </a:r>
             <a:r>
               <a:rPr lang="en-US" altLang="ja-JP" sz="2000" dirty="0">
@@ -7400,11 +7384,6 @@
               </a:rPr>
               <a:t>gson-2.8.7.jar</a:t>
             </a:r>
-            <a:endParaRPr lang="en-US" altLang="ja-JP" sz="2000" dirty="0" smtClean="0">
-              <a:latin typeface="Meiryo UI" pitchFamily="50" charset="-128"/>
-              <a:ea typeface="Meiryo UI" pitchFamily="50" charset="-128"/>
-              <a:cs typeface="Meiryo UI" pitchFamily="50" charset="-128"/>
-            </a:endParaRPr>
           </a:p>
           <a:p>
             <a:pPr eaLnBrk="1" hangingPunct="1">
@@ -7803,15 +7782,7 @@
                 <a:ea typeface="Meiryo UI" pitchFamily="50" charset="-128"/>
                 <a:cs typeface="Meiryo UI" pitchFamily="50" charset="-128"/>
               </a:rPr>
-              <a:t>方式にします</a:t>
-            </a:r>
-            <a:r>
-              <a:rPr lang="ja-JP" altLang="en-US" sz="2000" dirty="0" smtClean="0">
-                <a:latin typeface="Meiryo UI" pitchFamily="50" charset="-128"/>
-                <a:ea typeface="Meiryo UI" pitchFamily="50" charset="-128"/>
-                <a:cs typeface="Meiryo UI" pitchFamily="50" charset="-128"/>
-              </a:rPr>
-              <a:t>。画像出力は、</a:t>
+              <a:t>方式にします。画像出力は、</a:t>
             </a:r>
             <a:r>
               <a:rPr lang="en-US" altLang="ja-JP" sz="2000" dirty="0" smtClean="0">
@@ -8578,18 +8549,7 @@
                 <a:ea typeface="Meiryo UI" panose="020B0604030504040204" pitchFamily="50" charset="-128"/>
                 <a:cs typeface="Meiryo UI" panose="020B0604030504040204" pitchFamily="50" charset="-128"/>
               </a:rPr>
-              <a:t>": </a:t>
-            </a:r>
-            <a:r>
-              <a:rPr lang="en-US" altLang="ja-JP" sz="1400" dirty="0" smtClean="0">
-                <a:solidFill>
-                  <a:schemeClr val="bg1"/>
-                </a:solidFill>
-                <a:latin typeface="Meiryo UI" panose="020B0604030504040204" pitchFamily="50" charset="-128"/>
-                <a:ea typeface="Meiryo UI" panose="020B0604030504040204" pitchFamily="50" charset="-128"/>
-                <a:cs typeface="Meiryo UI" panose="020B0604030504040204" pitchFamily="50" charset="-128"/>
-              </a:rPr>
-              <a:t>{</a:t>
+              <a:t>": {</a:t>
             </a:r>
             <a:r>
               <a:rPr lang="ja-JP" altLang="en-US" sz="1400" dirty="0" smtClean="0">
@@ -8743,14 +8703,6 @@
               </a:rPr>
               <a:t>"},</a:t>
             </a:r>
-            <a:endParaRPr lang="en-US" altLang="ja-JP" sz="1400" dirty="0" smtClean="0">
-              <a:solidFill>
-                <a:schemeClr val="bg1"/>
-              </a:solidFill>
-              <a:latin typeface="Meiryo UI" panose="020B0604030504040204" pitchFamily="50" charset="-128"/>
-              <a:ea typeface="Meiryo UI" panose="020B0604030504040204" pitchFamily="50" charset="-128"/>
-              <a:cs typeface="Meiryo UI" panose="020B0604030504040204" pitchFamily="50" charset="-128"/>
-            </a:endParaRPr>
           </a:p>
           <a:p>
             <a:r>
@@ -12838,14 +12790,6 @@
               </a:rPr>
               <a:t>}</a:t>
             </a:r>
-            <a:endParaRPr lang="en-US" altLang="ja-JP" sz="1000" dirty="0">
-              <a:solidFill>
-                <a:schemeClr val="bg1"/>
-              </a:solidFill>
-              <a:latin typeface="Meiryo UI" panose="020B0604030504040204" pitchFamily="50" charset="-128"/>
-              <a:ea typeface="Meiryo UI" panose="020B0604030504040204" pitchFamily="50" charset="-128"/>
-              <a:cs typeface="Meiryo UI" panose="020B0604030504040204" pitchFamily="50" charset="-128"/>
-            </a:endParaRPr>
           </a:p>
         </p:txBody>
       </p:sp>
